--- a/lessons/MovingStraight.pptx
+++ b/lessons/MovingStraight.pptx
@@ -228,7 +228,7 @@
           <a:p>
             <a:fld id="{F8D9B3D7-15CB-9343-AA49-EFB5A8F33F18}" type="datetimeFigureOut">
               <a:rPr lang="en-US" smtClean="0"/>
-              <a:t>01/08/2020</a:t>
+              <a:t>5/30/2020</a:t>
             </a:fld>
             <a:endParaRPr lang="en-US"/>
           </a:p>
@@ -394,7 +394,7 @@
           <a:p>
             <a:fld id="{FD3EFF1E-85A1-6640-AFB9-C38833E80A84}" type="datetimeFigureOut">
               <a:rPr lang="en-US" smtClean="0"/>
-              <a:t>01/08/2020</a:t>
+              <a:t>5/30/2020</a:t>
             </a:fld>
             <a:endParaRPr lang="en-US"/>
           </a:p>
@@ -894,7 +894,7 @@
           <a:p>
             <a:r>
               <a:rPr lang="en-US"/>
-              <a:t>Copyright © 2020 SPIKE Prime Lessons (primelessons.org) CC-BY-NC-SA.  (Last edit: 1/9/2020)</a:t>
+              <a:t>Copyright © 2020 SPIKE Prime Lessons (primelessons.org) CC-BY-NC-SA.  (Last edit: 5/30/2020)</a:t>
             </a:r>
           </a:p>
         </p:txBody>
@@ -1061,7 +1061,7 @@
           <a:p>
             <a:r>
               <a:rPr lang="en-US"/>
-              <a:t>Copyright © 2020 SPIKE Prime Lessons (primelessons.org) CC-BY-NC-SA.  (Last edit: 1/9/2020)</a:t>
+              <a:t>Copyright © 2020 SPIKE Prime Lessons (primelessons.org) CC-BY-NC-SA.  (Last edit: 5/30/2020)</a:t>
             </a:r>
           </a:p>
         </p:txBody>
@@ -1238,7 +1238,7 @@
           <a:p>
             <a:r>
               <a:rPr lang="en-US"/>
-              <a:t>Copyright © 2020 SPIKE Prime Lessons (primelessons.org) CC-BY-NC-SA.  (Last edit: 1/9/2020)</a:t>
+              <a:t>Copyright © 2020 SPIKE Prime Lessons (primelessons.org) CC-BY-NC-SA.  (Last edit: 5/30/2020)</a:t>
             </a:r>
           </a:p>
         </p:txBody>
@@ -1455,7 +1455,7 @@
           <a:p>
             <a:r>
               <a:rPr lang="en-US"/>
-              <a:t>Copyright © 2020 SPIKE Prime Lessons (primelessons.org) CC-BY-NC-SA.  (Last edit: 1/9/2020)</a:t>
+              <a:t>Copyright © 2020 SPIKE Prime Lessons (primelessons.org) CC-BY-NC-SA.  (Last edit: 5/30/2020)</a:t>
             </a:r>
           </a:p>
         </p:txBody>
@@ -1947,7 +1947,7 @@
           <a:p>
             <a:r>
               <a:rPr lang="en-US"/>
-              <a:t>Copyright © 2020 SPIKE Prime Lessons (primelessons.org) CC-BY-NC-SA.  (Last edit: 1/9/2020)</a:t>
+              <a:t>Copyright © 2020 SPIKE Prime Lessons (primelessons.org) CC-BY-NC-SA.  (Last edit: 5/30/2020)</a:t>
             </a:r>
           </a:p>
         </p:txBody>
@@ -2239,7 +2239,7 @@
           <a:p>
             <a:r>
               <a:rPr lang="en-US"/>
-              <a:t>Copyright © 2020 SPIKE Prime Lessons (primelessons.org) CC-BY-NC-SA.  (Last edit: 1/9/2020)</a:t>
+              <a:t>Copyright © 2020 SPIKE Prime Lessons (primelessons.org) CC-BY-NC-SA.  (Last edit: 5/30/2020)</a:t>
             </a:r>
           </a:p>
         </p:txBody>
@@ -2507,7 +2507,7 @@
           <a:p>
             <a:r>
               <a:rPr lang="en-US"/>
-              <a:t>Copyright © 2020 SPIKE Prime Lessons (primelessons.org) CC-BY-NC-SA.  (Last edit: 1/9/2020)</a:t>
+              <a:t>Copyright © 2020 SPIKE Prime Lessons (primelessons.org) CC-BY-NC-SA.  (Last edit: 5/30/2020)</a:t>
             </a:r>
           </a:p>
         </p:txBody>
@@ -2957,7 +2957,7 @@
           <a:p>
             <a:r>
               <a:rPr lang="en-US"/>
-              <a:t>Copyright © 2020 SPIKE Prime Lessons (primelessons.org) CC-BY-NC-SA.  (Last edit: 1/9/2020)</a:t>
+              <a:t>Copyright © 2020 SPIKE Prime Lessons (primelessons.org) CC-BY-NC-SA.  (Last edit: 5/30/2020)</a:t>
             </a:r>
           </a:p>
         </p:txBody>
@@ -3081,7 +3081,7 @@
           <a:p>
             <a:r>
               <a:rPr lang="en-US"/>
-              <a:t>Copyright © 2020 SPIKE Prime Lessons (primelessons.org) CC-BY-NC-SA.  (Last edit: 1/9/2020)</a:t>
+              <a:t>Copyright © 2020 SPIKE Prime Lessons (primelessons.org) CC-BY-NC-SA.  (Last edit: 5/30/2020)</a:t>
             </a:r>
           </a:p>
         </p:txBody>
@@ -3183,7 +3183,7 @@
           <a:p>
             <a:r>
               <a:rPr lang="en-US"/>
-              <a:t>Copyright © 2020 SPIKE Prime Lessons (primelessons.org) CC-BY-NC-SA.  (Last edit: 1/9/2020)</a:t>
+              <a:t>Copyright © 2020 SPIKE Prime Lessons (primelessons.org) CC-BY-NC-SA.  (Last edit: 5/30/2020)</a:t>
             </a:r>
           </a:p>
         </p:txBody>
@@ -3437,7 +3437,7 @@
           <a:p>
             <a:r>
               <a:rPr lang="en-US"/>
-              <a:t>Copyright © 2020 SPIKE Prime Lessons (primelessons.org) CC-BY-NC-SA.  (Last edit: 1/9/2020)</a:t>
+              <a:t>Copyright © 2020 SPIKE Prime Lessons (primelessons.org) CC-BY-NC-SA.  (Last edit: 5/30/2020)</a:t>
             </a:r>
           </a:p>
         </p:txBody>
@@ -3634,7 +3634,7 @@
           <a:p>
             <a:r>
               <a:rPr lang="en-US"/>
-              <a:t>Copyright © 2020 SPIKE Prime Lessons (primelessons.org) CC-BY-NC-SA.  (Last edit: 1/9/2020)</a:t>
+              <a:t>Copyright © 2020 SPIKE Prime Lessons (primelessons.org) CC-BY-NC-SA.  (Last edit: 5/30/2020)</a:t>
             </a:r>
           </a:p>
         </p:txBody>
@@ -3908,7 +3908,7 @@
           <a:p>
             <a:r>
               <a:rPr lang="en-US"/>
-              <a:t>Copyright © 2020 SPIKE Prime Lessons (primelessons.org) CC-BY-NC-SA.  (Last edit: 1/9/2020)</a:t>
+              <a:t>Copyright © 2020 SPIKE Prime Lessons (primelessons.org) CC-BY-NC-SA.  (Last edit: 5/30/2020)</a:t>
             </a:r>
           </a:p>
         </p:txBody>
@@ -4171,7 +4171,7 @@
           <a:p>
             <a:r>
               <a:rPr lang="en-US"/>
-              <a:t>Copyright © 2020 SPIKE Prime Lessons (primelessons.org) CC-BY-NC-SA.  (Last edit: 1/9/2020)</a:t>
+              <a:t>Copyright © 2020 SPIKE Prime Lessons (primelessons.org) CC-BY-NC-SA.  (Last edit: 5/30/2020)</a:t>
             </a:r>
           </a:p>
         </p:txBody>
@@ -4356,7 +4356,7 @@
           <a:p>
             <a:r>
               <a:rPr lang="en-US"/>
-              <a:t>Copyright © 2020 SPIKE Prime Lessons (primelessons.org) CC-BY-NC-SA.  (Last edit: 1/9/2020)</a:t>
+              <a:t>Copyright © 2020 SPIKE Prime Lessons (primelessons.org) CC-BY-NC-SA.  (Last edit: 5/30/2020)</a:t>
             </a:r>
           </a:p>
         </p:txBody>
@@ -4553,7 +4553,7 @@
           <a:p>
             <a:r>
               <a:rPr lang="en-US"/>
-              <a:t>Copyright © 2020 SPIKE Prime Lessons (primelessons.org) CC-BY-NC-SA.  (Last edit: 1/9/2020)</a:t>
+              <a:t>Copyright © 2020 SPIKE Prime Lessons (primelessons.org) CC-BY-NC-SA.  (Last edit: 5/30/2020)</a:t>
             </a:r>
           </a:p>
         </p:txBody>
@@ -4720,7 +4720,7 @@
           <a:p>
             <a:r>
               <a:rPr lang="en-US"/>
-              <a:t>Copyright © 2020 SPIKE Prime Lessons (primelessons.org) CC-BY-NC-SA.  (Last edit: 1/9/2020)</a:t>
+              <a:t>Copyright © 2020 SPIKE Prime Lessons (primelessons.org) CC-BY-NC-SA.  (Last edit: 5/30/2020)</a:t>
             </a:r>
           </a:p>
         </p:txBody>
@@ -4964,7 +4964,7 @@
           <a:p>
             <a:r>
               <a:rPr lang="en-US"/>
-              <a:t>Copyright © 2020 SPIKE Prime Lessons (primelessons.org) CC-BY-NC-SA.  (Last edit: 1/9/2020)</a:t>
+              <a:t>Copyright © 2020 SPIKE Prime Lessons (primelessons.org) CC-BY-NC-SA.  (Last edit: 5/30/2020)</a:t>
             </a:r>
           </a:p>
         </p:txBody>
@@ -5192,7 +5192,7 @@
           <a:p>
             <a:r>
               <a:rPr lang="en-US"/>
-              <a:t>Copyright © 2020 SPIKE Prime Lessons (primelessons.org) CC-BY-NC-SA.  (Last edit: 1/9/2020)</a:t>
+              <a:t>Copyright © 2020 SPIKE Prime Lessons (primelessons.org) CC-BY-NC-SA.  (Last edit: 5/30/2020)</a:t>
             </a:r>
           </a:p>
         </p:txBody>
@@ -5555,7 +5555,7 @@
           <a:p>
             <a:r>
               <a:rPr lang="en-US"/>
-              <a:t>Copyright © 2020 SPIKE Prime Lessons (primelessons.org) CC-BY-NC-SA.  (Last edit: 1/9/2020)</a:t>
+              <a:t>Copyright © 2020 SPIKE Prime Lessons (primelessons.org) CC-BY-NC-SA.  (Last edit: 5/30/2020)</a:t>
             </a:r>
           </a:p>
         </p:txBody>
@@ -5671,7 +5671,7 @@
           <a:p>
             <a:r>
               <a:rPr lang="en-US"/>
-              <a:t>Copyright © 2020 SPIKE Prime Lessons (primelessons.org) CC-BY-NC-SA.  (Last edit: 1/9/2020)</a:t>
+              <a:t>Copyright © 2020 SPIKE Prime Lessons (primelessons.org) CC-BY-NC-SA.  (Last edit: 5/30/2020)</a:t>
             </a:r>
           </a:p>
         </p:txBody>
@@ -5765,7 +5765,7 @@
           <a:p>
             <a:r>
               <a:rPr lang="en-US"/>
-              <a:t>Copyright © 2020 SPIKE Prime Lessons (primelessons.org) CC-BY-NC-SA.  (Last edit: 1/9/2020)</a:t>
+              <a:t>Copyright © 2020 SPIKE Prime Lessons (primelessons.org) CC-BY-NC-SA.  (Last edit: 5/30/2020)</a:t>
             </a:r>
           </a:p>
         </p:txBody>
@@ -6009,7 +6009,7 @@
           <a:p>
             <a:r>
               <a:rPr lang="en-US"/>
-              <a:t>Copyright © 2020 SPIKE Prime Lessons (primelessons.org) CC-BY-NC-SA.  (Last edit: 1/9/2020)</a:t>
+              <a:t>Copyright © 2020 SPIKE Prime Lessons (primelessons.org) CC-BY-NC-SA.  (Last edit: 5/30/2020)</a:t>
             </a:r>
           </a:p>
         </p:txBody>
@@ -6283,7 +6283,7 @@
           <a:p>
             <a:r>
               <a:rPr lang="en-US"/>
-              <a:t>Copyright © 2020 SPIKE Prime Lessons (primelessons.org) CC-BY-NC-SA.  (Last edit: 1/9/2020)</a:t>
+              <a:t>Copyright © 2020 SPIKE Prime Lessons (primelessons.org) CC-BY-NC-SA.  (Last edit: 5/30/2020)</a:t>
             </a:r>
           </a:p>
         </p:txBody>
@@ -6537,7 +6537,7 @@
           <a:p>
             <a:r>
               <a:rPr lang="en-US"/>
-              <a:t>Copyright © 2020 SPIKE Prime Lessons (primelessons.org) CC-BY-NC-SA.  (Last edit: 1/9/2020)</a:t>
+              <a:t>Copyright © 2020 SPIKE Prime Lessons (primelessons.org) CC-BY-NC-SA.  (Last edit: 5/30/2020)</a:t>
             </a:r>
           </a:p>
         </p:txBody>
@@ -6704,7 +6704,7 @@
           <a:p>
             <a:r>
               <a:rPr lang="en-US"/>
-              <a:t>Copyright © 2020 SPIKE Prime Lessons (primelessons.org) CC-BY-NC-SA.  (Last edit: 1/9/2020)</a:t>
+              <a:t>Copyright © 2020 SPIKE Prime Lessons (primelessons.org) CC-BY-NC-SA.  (Last edit: 5/30/2020)</a:t>
             </a:r>
           </a:p>
         </p:txBody>
@@ -6881,7 +6881,7 @@
           <a:p>
             <a:r>
               <a:rPr lang="en-US"/>
-              <a:t>Copyright © 2020 SPIKE Prime Lessons (primelessons.org) CC-BY-NC-SA.  (Last edit: 1/9/2020)</a:t>
+              <a:t>Copyright © 2020 SPIKE Prime Lessons (primelessons.org) CC-BY-NC-SA.  (Last edit: 5/30/2020)</a:t>
             </a:r>
           </a:p>
         </p:txBody>
@@ -7836,7 +7836,7 @@
           <a:p>
             <a:r>
               <a:rPr lang="en-US"/>
-              <a:t>Copyright © 2020 SPIKE Prime Lessons (primelessons.org) CC-BY-NC-SA.  (Last edit: 1/9/2020)</a:t>
+              <a:t>Copyright © 2020 SPIKE Prime Lessons (primelessons.org) CC-BY-NC-SA.  (Last edit: 5/30/2020)</a:t>
             </a:r>
           </a:p>
         </p:txBody>
@@ -8208,7 +8208,7 @@
           <a:p>
             <a:r>
               <a:rPr lang="en-US"/>
-              <a:t>Copyright © 2020 SPIKE Prime Lessons (primelessons.org) CC-BY-NC-SA.  (Last edit: 1/9/2020)</a:t>
+              <a:t>Copyright © 2020 SPIKE Prime Lessons (primelessons.org) CC-BY-NC-SA.  (Last edit: 5/30/2020)</a:t>
             </a:r>
           </a:p>
         </p:txBody>
@@ -8626,7 +8626,7 @@
           <a:p>
             <a:r>
               <a:rPr lang="en-US"/>
-              <a:t>Copyright © 2020 SPIKE Prime Lessons (primelessons.org) CC-BY-NC-SA.  (Last edit: 1/9/2020)</a:t>
+              <a:t>Copyright © 2020 SPIKE Prime Lessons (primelessons.org) CC-BY-NC-SA.  (Last edit: 5/30/2020)</a:t>
             </a:r>
           </a:p>
         </p:txBody>
@@ -9140,7 +9140,7 @@
           <a:p>
             <a:r>
               <a:rPr lang="en-US"/>
-              <a:t>Copyright © 2020 SPIKE Prime Lessons (primelessons.org) CC-BY-NC-SA.  (Last edit: 1/9/2020)</a:t>
+              <a:t>Copyright © 2020 SPIKE Prime Lessons (primelessons.org) CC-BY-NC-SA.  (Last edit: 5/30/2020)</a:t>
             </a:r>
           </a:p>
         </p:txBody>
@@ -9331,7 +9331,7 @@
           <a:p>
             <a:r>
               <a:rPr lang="en-US"/>
-              <a:t>Copyright © 2020 SPIKE Prime Lessons (primelessons.org) CC-BY-NC-SA.  (Last edit: 1/9/2020)</a:t>
+              <a:t>Copyright © 2020 SPIKE Prime Lessons (primelessons.org) CC-BY-NC-SA.  (Last edit: 5/30/2020)</a:t>
             </a:r>
           </a:p>
         </p:txBody>
@@ -9703,7 +9703,7 @@
           <a:p>
             <a:r>
               <a:rPr lang="en-US"/>
-              <a:t>Copyright © 2020 SPIKE Prime Lessons (primelessons.org) CC-BY-NC-SA.  (Last edit: 1/9/2020)</a:t>
+              <a:t>Copyright © 2020 SPIKE Prime Lessons (primelessons.org) CC-BY-NC-SA.  (Last edit: 5/30/2020)</a:t>
             </a:r>
           </a:p>
         </p:txBody>
@@ -9959,7 +9959,7 @@
           <a:p>
             <a:r>
               <a:rPr lang="en-US"/>
-              <a:t>Copyright © 2020 SPIKE Prime Lessons (primelessons.org) CC-BY-NC-SA.  (Last edit: 1/9/2020)</a:t>
+              <a:t>Copyright © 2020 SPIKE Prime Lessons (primelessons.org) CC-BY-NC-SA.  (Last edit: 5/30/2020)</a:t>
             </a:r>
             <a:endParaRPr lang="en-US" dirty="0"/>
           </a:p>
@@ -10341,7 +10341,7 @@
           <a:p>
             <a:r>
               <a:rPr lang="en-US"/>
-              <a:t>Copyright © 2020 SPIKE Prime Lessons (primelessons.org) CC-BY-NC-SA.  (Last edit: 1/9/2020)</a:t>
+              <a:t>Copyright © 2020 SPIKE Prime Lessons (primelessons.org) CC-BY-NC-SA.  (Last edit: 5/30/2020)</a:t>
             </a:r>
           </a:p>
         </p:txBody>
@@ -10642,7 +10642,7 @@
           <a:p>
             <a:r>
               <a:rPr lang="en-US"/>
-              <a:t>Copyright © 2020 SPIKE Prime Lessons (primelessons.org) CC-BY-NC-SA.  (Last edit: 1/9/2020)</a:t>
+              <a:t>Copyright © 2020 SPIKE Prime Lessons (primelessons.org) CC-BY-NC-SA.  (Last edit: 5/30/2020)</a:t>
             </a:r>
           </a:p>
         </p:txBody>
@@ -10890,7 +10890,7 @@
           <a:p>
             <a:r>
               <a:rPr lang="en-US"/>
-              <a:t>Copyright © 2020 SPIKE Prime Lessons (primelessons.org) CC-BY-NC-SA.  (Last edit: 1/9/2020)</a:t>
+              <a:t>Copyright © 2020 SPIKE Prime Lessons (primelessons.org) CC-BY-NC-SA.  (Last edit: 5/30/2020)</a:t>
             </a:r>
           </a:p>
         </p:txBody>
@@ -11143,7 +11143,7 @@
           <a:p>
             <a:r>
               <a:rPr lang="en-US"/>
-              <a:t>Copyright © 2020 SPIKE Prime Lessons (primelessons.org) CC-BY-NC-SA.  (Last edit: 1/9/2020)</a:t>
+              <a:t>Copyright © 2020 SPIKE Prime Lessons (primelessons.org) CC-BY-NC-SA.  (Last edit: 5/30/2020)</a:t>
             </a:r>
           </a:p>
         </p:txBody>
@@ -11525,7 +11525,7 @@
           <a:p>
             <a:r>
               <a:rPr lang="en-US"/>
-              <a:t>Copyright © 2020 SPIKE Prime Lessons (primelessons.org) CC-BY-NC-SA.  (Last edit: 1/9/2020)</a:t>
+              <a:t>Copyright © 2020 SPIKE Prime Lessons (primelessons.org) CC-BY-NC-SA.  (Last edit: 5/30/2020)</a:t>
             </a:r>
           </a:p>
         </p:txBody>
@@ -11641,7 +11641,7 @@
           <a:p>
             <a:r>
               <a:rPr lang="en-US"/>
-              <a:t>Copyright © 2020 SPIKE Prime Lessons (primelessons.org) CC-BY-NC-SA.  (Last edit: 1/9/2020)</a:t>
+              <a:t>Copyright © 2020 SPIKE Prime Lessons (primelessons.org) CC-BY-NC-SA.  (Last edit: 5/30/2020)</a:t>
             </a:r>
           </a:p>
         </p:txBody>
@@ -11735,7 +11735,7 @@
           <a:p>
             <a:r>
               <a:rPr lang="en-US"/>
-              <a:t>Copyright © 2020 SPIKE Prime Lessons (primelessons.org) CC-BY-NC-SA.  (Last edit: 1/9/2020)</a:t>
+              <a:t>Copyright © 2020 SPIKE Prime Lessons (primelessons.org) CC-BY-NC-SA.  (Last edit: 5/30/2020)</a:t>
             </a:r>
           </a:p>
         </p:txBody>
@@ -12009,7 +12009,7 @@
           <a:p>
             <a:r>
               <a:rPr lang="en-US"/>
-              <a:t>Copyright © 2020 SPIKE Prime Lessons (primelessons.org) CC-BY-NC-SA.  (Last edit: 1/9/2020)</a:t>
+              <a:t>Copyright © 2020 SPIKE Prime Lessons (primelessons.org) CC-BY-NC-SA.  (Last edit: 5/30/2020)</a:t>
             </a:r>
           </a:p>
         </p:txBody>
@@ -12260,7 +12260,7 @@
           <a:p>
             <a:r>
               <a:rPr lang="en-US"/>
-              <a:t>Copyright © 2020 SPIKE Prime Lessons (primelessons.org) CC-BY-NC-SA.  (Last edit: 1/9/2020)</a:t>
+              <a:t>Copyright © 2020 SPIKE Prime Lessons (primelessons.org) CC-BY-NC-SA.  (Last edit: 5/30/2020)</a:t>
             </a:r>
           </a:p>
         </p:txBody>
@@ -12488,7 +12488,7 @@
           <a:p>
             <a:r>
               <a:rPr lang="en-US"/>
-              <a:t>Copyright © 2020 SPIKE Prime Lessons (primelessons.org) CC-BY-NC-SA.  (Last edit: 1/9/2020)</a:t>
+              <a:t>Copyright © 2020 SPIKE Prime Lessons (primelessons.org) CC-BY-NC-SA.  (Last edit: 5/30/2020)</a:t>
             </a:r>
           </a:p>
         </p:txBody>
@@ -13024,7 +13024,7 @@
           <a:p>
             <a:r>
               <a:rPr lang="en-US"/>
-              <a:t>Copyright © 2020 SPIKE Prime Lessons (primelessons.org) CC-BY-NC-SA.  (Last edit: 1/9/2020)</a:t>
+              <a:t>Copyright © 2020 SPIKE Prime Lessons (primelessons.org) CC-BY-NC-SA.  (Last edit: 5/30/2020)</a:t>
             </a:r>
             <a:endParaRPr lang="en-US" dirty="0"/>
           </a:p>
@@ -13778,7 +13778,7 @@
           <a:p>
             <a:r>
               <a:rPr lang="en-US"/>
-              <a:t>Copyright © 2020 SPIKE Prime Lessons (primelessons.org) CC-BY-NC-SA.  (Last edit: 1/9/2020)</a:t>
+              <a:t>Copyright © 2020 SPIKE Prime Lessons (primelessons.org) CC-BY-NC-SA.  (Last edit: 5/30/2020)</a:t>
             </a:r>
           </a:p>
         </p:txBody>
@@ -14399,7 +14399,7 @@
           <a:p>
             <a:r>
               <a:rPr lang="en-US"/>
-              <a:t>Copyright © 2020 SPIKE Prime Lessons (primelessons.org) CC-BY-NC-SA.  (Last edit: 1/9/2020)</a:t>
+              <a:t>Copyright © 2020 SPIKE Prime Lessons (primelessons.org) CC-BY-NC-SA.  (Last edit: 5/30/2020)</a:t>
             </a:r>
           </a:p>
         </p:txBody>
@@ -15094,7 +15094,7 @@
           <a:p>
             <a:r>
               <a:rPr lang="en-US"/>
-              <a:t>Copyright © 2020 SPIKE Prime Lessons (primelessons.org) CC-BY-NC-SA.  (Last edit: 1/9/2020)</a:t>
+              <a:t>Copyright © 2020 SPIKE Prime Lessons (primelessons.org) CC-BY-NC-SA.  (Last edit: 5/30/2020)</a:t>
             </a:r>
           </a:p>
         </p:txBody>
@@ -16166,7 +16166,7 @@
           <a:p>
             <a:r>
               <a:rPr lang="en-US"/>
-              <a:t>Copyright © 2020 SPIKE Prime Lessons (primelessons.org) CC-BY-NC-SA.  (Last edit: 1/9/2020)</a:t>
+              <a:t>Copyright © 2020 SPIKE Prime Lessons (primelessons.org) CC-BY-NC-SA.  (Last edit: 5/30/2020)</a:t>
             </a:r>
           </a:p>
         </p:txBody>
@@ -16202,10 +16202,10 @@
       </p:sp>
       <p:pic>
         <p:nvPicPr>
-          <p:cNvPr id="8" name="Picture 7">
+          <p:cNvPr id="6" name="Picture 5" descr="A screenshot of a cell phone&#10;&#10;Description automatically generated">
             <a:extLst>
               <a:ext uri="{FF2B5EF4-FFF2-40B4-BE49-F238E27FC236}">
-                <a16:creationId xmlns:a16="http://schemas.microsoft.com/office/drawing/2014/main" id="{CDE85A47-80AD-4229-A716-E2E75951C791}"/>
+                <a16:creationId xmlns:a16="http://schemas.microsoft.com/office/drawing/2014/main" id="{784BA263-8D75-474F-970E-AAF05F8987CE}"/>
               </a:ext>
             </a:extLst>
           </p:cNvPr>
@@ -16222,8 +16222,8 @@
         </p:blipFill>
         <p:spPr>
           <a:xfrm>
-            <a:off x="4572000" y="1587046"/>
-            <a:ext cx="4067175" cy="3524250"/>
+            <a:off x="4785360" y="1343878"/>
+            <a:ext cx="4477375" cy="4010585"/>
           </a:xfrm>
           <a:prstGeom prst="rect">
             <a:avLst/>
@@ -16380,7 +16380,7 @@
           <a:p>
             <a:r>
               <a:rPr lang="en-US"/>
-              <a:t>Copyright © 2020 SPIKE Prime Lessons (primelessons.org) CC-BY-NC-SA.  (Last edit: 1/9/2020)</a:t>
+              <a:t>Copyright © 2020 SPIKE Prime Lessons (primelessons.org) CC-BY-NC-SA.  (Last edit: 5/30/2020)</a:t>
             </a:r>
           </a:p>
         </p:txBody>
@@ -16664,7 +16664,7 @@
           <a:p>
             <a:r>
               <a:rPr lang="en-US"/>
-              <a:t>Copyright © 2020 SPIKE Prime Lessons (primelessons.org) CC-BY-NC-SA.  (Last edit: 1/9/2020)</a:t>
+              <a:t>Copyright © 2020 SPIKE Prime Lessons (primelessons.org) CC-BY-NC-SA.  (Last edit: 5/30/2020)</a:t>
             </a:r>
           </a:p>
         </p:txBody>
@@ -16905,7 +16905,7 @@
           <a:p>
             <a:r>
               <a:rPr lang="en-US"/>
-              <a:t>Copyright © 2020 SPIKE Prime Lessons (primelessons.org) CC-BY-NC-SA.  (Last edit: 1/9/2020)</a:t>
+              <a:t>Copyright © 2020 SPIKE Prime Lessons (primelessons.org) CC-BY-NC-SA.  (Last edit: 5/30/2020)</a:t>
             </a:r>
           </a:p>
         </p:txBody>
@@ -17319,9 +17319,10 @@
           <a:lstStyle/>
           <a:p>
             <a:r>
-              <a:rPr lang="en-US" dirty="0"/>
-              <a:t>Copyright © 2020 SPIKE Prime Lessons (primelessons.org) CC-BY-NC-SA.  (Last edit: 1/9/2020)</a:t>
-            </a:r>
+              <a:rPr lang="en-US"/>
+              <a:t>Copyright © 2020 SPIKE Prime Lessons (primelessons.org) CC-BY-NC-SA.  (Last edit: 5/30/2020)</a:t>
+            </a:r>
+            <a:endParaRPr lang="en-US" dirty="0"/>
           </a:p>
         </p:txBody>
       </p:sp>
@@ -17350,7 +17351,7 @@
           <a:effectLst/>
           <a:extLst>
             <a:ext uri="{91240B29-F687-4f45-9708-019B960494DF}">
-              <a14:hiddenLine xmlns:a14="http://schemas.microsoft.com/office/drawing/2010/main" xmlns="" w="9525">
+              <a14:hiddenLine xmlns="" xmlns:a14="http://schemas.microsoft.com/office/drawing/2010/main" w="9525">
                 <a:solidFill>
                   <a:schemeClr val="tx1"/>
                 </a:solidFill>
@@ -17360,7 +17361,7 @@
               </a14:hiddenLine>
             </a:ext>
             <a:ext uri="{AF507438-7753-43e0-B8FC-AC1667EBCBE1}">
-              <a14:hiddenEffects xmlns:a14="http://schemas.microsoft.com/office/drawing/2010/main" xmlns="">
+              <a14:hiddenEffects xmlns="" xmlns:a14="http://schemas.microsoft.com/office/drawing/2010/main">
                 <a:effectLst>
                   <a:outerShdw dist="35921" dir="2700000" algn="ctr" rotWithShape="0">
                     <a:schemeClr val="bg2"/>
@@ -17701,7 +17702,7 @@
           <a:noFill/>
           <a:extLst>
             <a:ext uri="{909E8E84-426E-40dd-AFC4-6F175D3DCCD1}">
-              <a14:hiddenFill xmlns:a14="http://schemas.microsoft.com/office/drawing/2010/main" xmlns="">
+              <a14:hiddenFill xmlns="" xmlns:a14="http://schemas.microsoft.com/office/drawing/2010/main">
                 <a:solidFill>
                   <a:srgbClr val="FFFFFF"/>
                 </a:solidFill>
@@ -17852,7 +17853,7 @@
           <a:p>
             <a:r>
               <a:rPr lang="en-US"/>
-              <a:t>Copyright © 2020 SPIKE Prime Lessons (primelessons.org) CC-BY-NC-SA.  (Last edit: 1/9/2020)</a:t>
+              <a:t>Copyright © 2020 SPIKE Prime Lessons (primelessons.org) CC-BY-NC-SA.  (Last edit: 5/30/2020)</a:t>
             </a:r>
           </a:p>
         </p:txBody>
@@ -17916,135 +17917,12 @@
           <a:chExt cx="0" cy="0"/>
         </a:xfrm>
       </p:grpSpPr>
-      <p:sp>
-        <p:nvSpPr>
-          <p:cNvPr id="2" name="Title 1"/>
-          <p:cNvSpPr>
-            <a:spLocks noGrp="1"/>
-          </p:cNvSpPr>
-          <p:nvPr>
-            <p:ph type="title"/>
-          </p:nvPr>
-        </p:nvSpPr>
-        <p:spPr/>
-        <p:txBody>
-          <a:bodyPr/>
-          <a:lstStyle/>
-          <a:p>
-            <a:r>
-              <a:rPr lang="en-US" dirty="0"/>
-              <a:t>Move for Duration</a:t>
-            </a:r>
-          </a:p>
-        </p:txBody>
-      </p:sp>
-      <p:sp>
-        <p:nvSpPr>
-          <p:cNvPr id="55" name="Content Placeholder 54">
+      <p:pic>
+        <p:nvPicPr>
+          <p:cNvPr id="7" name="Picture 6" descr="A picture containing monitor, clock&#10;&#10;Description automatically generated">
             <a:extLst>
               <a:ext uri="{FF2B5EF4-FFF2-40B4-BE49-F238E27FC236}">
-                <a16:creationId xmlns:a16="http://schemas.microsoft.com/office/drawing/2014/main" id="{08AA3D35-4896-42BA-AC5C-3FB20FFBE9A7}"/>
-              </a:ext>
-            </a:extLst>
-          </p:cNvPr>
-          <p:cNvSpPr>
-            <a:spLocks noGrp="1"/>
-          </p:cNvSpPr>
-          <p:nvPr>
-            <p:ph idx="1"/>
-          </p:nvPr>
-        </p:nvSpPr>
-        <p:spPr>
-          <a:xfrm>
-            <a:off x="271849" y="4848039"/>
-            <a:ext cx="8430825" cy="1278124"/>
-          </a:xfrm>
-        </p:spPr>
-        <p:txBody>
-          <a:bodyPr>
-            <a:normAutofit/>
-          </a:bodyPr>
-          <a:lstStyle/>
-          <a:p>
-            <a:r>
-              <a:rPr lang="en-US" dirty="0"/>
-              <a:t>Simplest move block – just gives control over direction and distance</a:t>
-            </a:r>
-          </a:p>
-          <a:p>
-            <a:r>
-              <a:rPr lang="en-US" dirty="0"/>
-              <a:t>Other move blocks give control over speed and steering</a:t>
-            </a:r>
-          </a:p>
-        </p:txBody>
-      </p:sp>
-      <p:sp>
-        <p:nvSpPr>
-          <p:cNvPr id="3" name="Footer Placeholder 2">
-            <a:extLst>
-              <a:ext uri="{FF2B5EF4-FFF2-40B4-BE49-F238E27FC236}">
-                <a16:creationId xmlns:a16="http://schemas.microsoft.com/office/drawing/2014/main" id="{BD08C81B-506D-3D44-9337-E4F2B17990E7}"/>
-              </a:ext>
-            </a:extLst>
-          </p:cNvPr>
-          <p:cNvSpPr>
-            <a:spLocks noGrp="1"/>
-          </p:cNvSpPr>
-          <p:nvPr>
-            <p:ph type="ftr" sz="quarter" idx="11"/>
-          </p:nvPr>
-        </p:nvSpPr>
-        <p:spPr/>
-        <p:txBody>
-          <a:bodyPr/>
-          <a:lstStyle/>
-          <a:p>
-            <a:r>
-              <a:rPr lang="en-US"/>
-              <a:t>Copyright © 2020 SPIKE Prime Lessons (primelessons.org) CC-BY-NC-SA.  (Last edit: 1/9/2020)</a:t>
-            </a:r>
-          </a:p>
-        </p:txBody>
-      </p:sp>
-      <p:sp>
-        <p:nvSpPr>
-          <p:cNvPr id="10" name="TextBox 9"/>
-          <p:cNvSpPr txBox="1"/>
-          <p:nvPr/>
-        </p:nvSpPr>
-        <p:spPr>
-          <a:xfrm>
-            <a:off x="3287030" y="1436665"/>
-            <a:ext cx="2569940" cy="369332"/>
-          </a:xfrm>
-          <a:prstGeom prst="rect">
-            <a:avLst/>
-          </a:prstGeom>
-          <a:solidFill>
-            <a:srgbClr val="F5C201"/>
-          </a:solidFill>
-        </p:spPr>
-        <p:txBody>
-          <a:bodyPr wrap="square" rtlCol="0">
-            <a:spAutoFit/>
-          </a:bodyPr>
-          <a:lstStyle/>
-          <a:p>
-            <a:pPr algn="ctr"/>
-            <a:r>
-              <a:rPr lang="en-US" dirty="0"/>
-              <a:t>Duration/Distance</a:t>
-            </a:r>
-          </a:p>
-        </p:txBody>
-      </p:sp>
-      <p:pic>
-        <p:nvPicPr>
-          <p:cNvPr id="39" name="Picture 38">
-            <a:extLst>
-              <a:ext uri="{FF2B5EF4-FFF2-40B4-BE49-F238E27FC236}">
-                <a16:creationId xmlns:a16="http://schemas.microsoft.com/office/drawing/2014/main" id="{9EBBFED7-1E8E-4A16-9DEB-C4548B1D13B7}"/>
+                <a16:creationId xmlns:a16="http://schemas.microsoft.com/office/drawing/2014/main" id="{C17E71FC-63AC-4B28-B0AC-2C10CB9D7CCE}"/>
               </a:ext>
             </a:extLst>
           </p:cNvPr>
@@ -18061,14 +17939,137 @@
         </p:blipFill>
         <p:spPr>
           <a:xfrm>
-            <a:off x="1140093" y="2603970"/>
-            <a:ext cx="2552700" cy="939800"/>
+            <a:off x="810320" y="1471107"/>
+            <a:ext cx="5186034" cy="1644714"/>
           </a:xfrm>
           <a:prstGeom prst="rect">
             <a:avLst/>
           </a:prstGeom>
         </p:spPr>
       </p:pic>
+      <p:sp>
+        <p:nvSpPr>
+          <p:cNvPr id="2" name="Title 1"/>
+          <p:cNvSpPr>
+            <a:spLocks noGrp="1"/>
+          </p:cNvSpPr>
+          <p:nvPr>
+            <p:ph type="title"/>
+          </p:nvPr>
+        </p:nvSpPr>
+        <p:spPr/>
+        <p:txBody>
+          <a:bodyPr/>
+          <a:lstStyle/>
+          <a:p>
+            <a:r>
+              <a:rPr lang="en-US" dirty="0"/>
+              <a:t>Move for Duration</a:t>
+            </a:r>
+          </a:p>
+        </p:txBody>
+      </p:sp>
+      <p:sp>
+        <p:nvSpPr>
+          <p:cNvPr id="55" name="Content Placeholder 54">
+            <a:extLst>
+              <a:ext uri="{FF2B5EF4-FFF2-40B4-BE49-F238E27FC236}">
+                <a16:creationId xmlns:a16="http://schemas.microsoft.com/office/drawing/2014/main" id="{08AA3D35-4896-42BA-AC5C-3FB20FFBE9A7}"/>
+              </a:ext>
+            </a:extLst>
+          </p:cNvPr>
+          <p:cNvSpPr>
+            <a:spLocks noGrp="1"/>
+          </p:cNvSpPr>
+          <p:nvPr>
+            <p:ph idx="1"/>
+          </p:nvPr>
+        </p:nvSpPr>
+        <p:spPr>
+          <a:xfrm>
+            <a:off x="271849" y="4848039"/>
+            <a:ext cx="8430825" cy="1278124"/>
+          </a:xfrm>
+        </p:spPr>
+        <p:txBody>
+          <a:bodyPr>
+            <a:normAutofit/>
+          </a:bodyPr>
+          <a:lstStyle/>
+          <a:p>
+            <a:r>
+              <a:rPr lang="en-US" dirty="0"/>
+              <a:t>Simplest move block – just gives control over direction and distance</a:t>
+            </a:r>
+          </a:p>
+          <a:p>
+            <a:r>
+              <a:rPr lang="en-US" dirty="0"/>
+              <a:t>Other move blocks give control over speed and steering</a:t>
+            </a:r>
+          </a:p>
+        </p:txBody>
+      </p:sp>
+      <p:sp>
+        <p:nvSpPr>
+          <p:cNvPr id="3" name="Footer Placeholder 2">
+            <a:extLst>
+              <a:ext uri="{FF2B5EF4-FFF2-40B4-BE49-F238E27FC236}">
+                <a16:creationId xmlns:a16="http://schemas.microsoft.com/office/drawing/2014/main" id="{BD08C81B-506D-3D44-9337-E4F2B17990E7}"/>
+              </a:ext>
+            </a:extLst>
+          </p:cNvPr>
+          <p:cNvSpPr>
+            <a:spLocks noGrp="1"/>
+          </p:cNvSpPr>
+          <p:nvPr>
+            <p:ph type="ftr" sz="quarter" idx="11"/>
+          </p:nvPr>
+        </p:nvSpPr>
+        <p:spPr/>
+        <p:txBody>
+          <a:bodyPr/>
+          <a:lstStyle/>
+          <a:p>
+            <a:r>
+              <a:rPr lang="en-US"/>
+              <a:t>Copyright © 2020 SPIKE Prime Lessons (primelessons.org) CC-BY-NC-SA.  (Last edit: 5/30/2020)</a:t>
+            </a:r>
+          </a:p>
+        </p:txBody>
+      </p:sp>
+      <p:sp>
+        <p:nvSpPr>
+          <p:cNvPr id="10" name="TextBox 9"/>
+          <p:cNvSpPr txBox="1"/>
+          <p:nvPr/>
+        </p:nvSpPr>
+        <p:spPr>
+          <a:xfrm>
+            <a:off x="3287030" y="1436665"/>
+            <a:ext cx="2569940" cy="369332"/>
+          </a:xfrm>
+          <a:prstGeom prst="rect">
+            <a:avLst/>
+          </a:prstGeom>
+          <a:solidFill>
+            <a:srgbClr val="F5C201"/>
+          </a:solidFill>
+        </p:spPr>
+        <p:txBody>
+          <a:bodyPr wrap="square" rtlCol="0">
+            <a:spAutoFit/>
+          </a:bodyPr>
+          <a:lstStyle/>
+          <a:p>
+            <a:pPr algn="ctr"/>
+            <a:r>
+              <a:rPr lang="en-US" dirty="0"/>
+              <a:t>Duration/Distance</a:t>
+            </a:r>
+          </a:p>
+        </p:txBody>
+      </p:sp>
       <p:sp>
         <p:nvSpPr>
           <p:cNvPr id="36" name="Rectangle 35">
@@ -18121,35 +18122,6 @@
           </a:p>
         </p:txBody>
       </p:sp>
-      <p:pic>
-        <p:nvPicPr>
-          <p:cNvPr id="6" name="Picture 5" descr="A screenshot of a cell phone&#10;&#10;Description automatically generated">
-            <a:extLst>
-              <a:ext uri="{FF2B5EF4-FFF2-40B4-BE49-F238E27FC236}">
-                <a16:creationId xmlns:a16="http://schemas.microsoft.com/office/drawing/2014/main" id="{759A8C57-6C44-4992-BFAB-57D059E3B540}"/>
-              </a:ext>
-            </a:extLst>
-          </p:cNvPr>
-          <p:cNvPicPr>
-            <a:picLocks noChangeAspect="1"/>
-          </p:cNvPicPr>
-          <p:nvPr/>
-        </p:nvPicPr>
-        <p:blipFill rotWithShape="1">
-          <a:blip r:embed="rId3"/>
-          <a:srcRect l="2215" t="3448" r="19704" b="76287"/>
-          <a:stretch/>
-        </p:blipFill>
-        <p:spPr>
-          <a:xfrm>
-            <a:off x="872845" y="1887793"/>
-            <a:ext cx="4622404" cy="733990"/>
-          </a:xfrm>
-          <a:prstGeom prst="rect">
-            <a:avLst/>
-          </a:prstGeom>
-        </p:spPr>
-      </p:pic>
       <p:pic>
         <p:nvPicPr>
           <p:cNvPr id="28" name="Picture 27" descr="A screenshot of a cell phone&#10;&#10;Description automatically generated">
@@ -18213,44 +18185,6 @@
       </p:sp>
       <p:sp>
         <p:nvSpPr>
-          <p:cNvPr id="38" name="TextBox 37">
-            <a:extLst>
-              <a:ext uri="{FF2B5EF4-FFF2-40B4-BE49-F238E27FC236}">
-                <a16:creationId xmlns:a16="http://schemas.microsoft.com/office/drawing/2014/main" id="{47D8FC75-B4B3-4AFF-AAF1-2641A8FDA407}"/>
-              </a:ext>
-            </a:extLst>
-          </p:cNvPr>
-          <p:cNvSpPr txBox="1"/>
-          <p:nvPr/>
-        </p:nvSpPr>
-        <p:spPr>
-          <a:xfrm>
-            <a:off x="1224186" y="3471694"/>
-            <a:ext cx="2414052" cy="369332"/>
-          </a:xfrm>
-          <a:prstGeom prst="rect">
-            <a:avLst/>
-          </a:prstGeom>
-          <a:solidFill>
-            <a:srgbClr val="F5C201"/>
-          </a:solidFill>
-        </p:spPr>
-        <p:txBody>
-          <a:bodyPr wrap="square" rtlCol="0">
-            <a:spAutoFit/>
-          </a:bodyPr>
-          <a:lstStyle/>
-          <a:p>
-            <a:pPr algn="ctr"/>
-            <a:r>
-              <a:rPr lang="en-US" dirty="0"/>
-              <a:t>Direction</a:t>
-            </a:r>
-          </a:p>
-        </p:txBody>
-      </p:sp>
-      <p:sp>
-        <p:nvSpPr>
           <p:cNvPr id="26" name="Rectangle 25">
             <a:extLst>
               <a:ext uri="{FF2B5EF4-FFF2-40B4-BE49-F238E27FC236}">
@@ -18350,6 +18284,74 @@
               <a:t>3</a:t>
             </a:fld>
             <a:endParaRPr lang="en-US"/>
+          </a:p>
+        </p:txBody>
+      </p:sp>
+      <p:pic>
+        <p:nvPicPr>
+          <p:cNvPr id="9" name="Picture 8" descr="A drawing of a face&#10;&#10;Description automatically generated">
+            <a:extLst>
+              <a:ext uri="{FF2B5EF4-FFF2-40B4-BE49-F238E27FC236}">
+                <a16:creationId xmlns:a16="http://schemas.microsoft.com/office/drawing/2014/main" id="{68083A46-F6DB-4BAC-AA4A-1455E29E303A}"/>
+              </a:ext>
+            </a:extLst>
+          </p:cNvPr>
+          <p:cNvPicPr>
+            <a:picLocks noChangeAspect="1"/>
+          </p:cNvPicPr>
+          <p:nvPr/>
+        </p:nvPicPr>
+        <p:blipFill>
+          <a:blip r:embed="rId4"/>
+          <a:stretch>
+            <a:fillRect/>
+          </a:stretch>
+        </p:blipFill>
+        <p:spPr>
+          <a:xfrm>
+            <a:off x="2031908" y="2521833"/>
+            <a:ext cx="1769967" cy="1860272"/>
+          </a:xfrm>
+          <a:prstGeom prst="rect">
+            <a:avLst/>
+          </a:prstGeom>
+        </p:spPr>
+      </p:pic>
+      <p:sp>
+        <p:nvSpPr>
+          <p:cNvPr id="38" name="TextBox 37">
+            <a:extLst>
+              <a:ext uri="{FF2B5EF4-FFF2-40B4-BE49-F238E27FC236}">
+                <a16:creationId xmlns:a16="http://schemas.microsoft.com/office/drawing/2014/main" id="{47D8FC75-B4B3-4AFF-AAF1-2641A8FDA407}"/>
+              </a:ext>
+            </a:extLst>
+          </p:cNvPr>
+          <p:cNvSpPr txBox="1"/>
+          <p:nvPr/>
+        </p:nvSpPr>
+        <p:spPr>
+          <a:xfrm>
+            <a:off x="1579840" y="4210642"/>
+            <a:ext cx="2414052" cy="369332"/>
+          </a:xfrm>
+          <a:prstGeom prst="rect">
+            <a:avLst/>
+          </a:prstGeom>
+          <a:solidFill>
+            <a:srgbClr val="F5C201"/>
+          </a:solidFill>
+        </p:spPr>
+        <p:txBody>
+          <a:bodyPr wrap="square" rtlCol="0">
+            <a:spAutoFit/>
+          </a:bodyPr>
+          <a:lstStyle/>
+          <a:p>
+            <a:pPr algn="ctr"/>
+            <a:r>
+              <a:rPr lang="en-US" dirty="0"/>
+              <a:t>Direction</a:t>
+            </a:r>
           </a:p>
         </p:txBody>
       </p:sp>
@@ -18475,7 +18477,7 @@
           <a:p>
             <a:r>
               <a:rPr lang="en-US"/>
-              <a:t>Copyright © 2020 SPIKE Prime Lessons (primelessons.org) CC-BY-NC-SA.  (Last edit: 1/9/2020)</a:t>
+              <a:t>Copyright © 2020 SPIKE Prime Lessons (primelessons.org) CC-BY-NC-SA.  (Last edit: 5/30/2020)</a:t>
             </a:r>
           </a:p>
         </p:txBody>
@@ -18897,7 +18899,7 @@
           <a:p>
             <a:r>
               <a:rPr lang="en-US"/>
-              <a:t>Copyright © 2020 SPIKE Prime Lessons (primelessons.org) CC-BY-NC-SA.  (Last edit: 1/9/2020)</a:t>
+              <a:t>Copyright © 2020 SPIKE Prime Lessons (primelessons.org) CC-BY-NC-SA.  (Last edit: 5/30/2020)</a:t>
             </a:r>
           </a:p>
         </p:txBody>
@@ -19298,7 +19300,7 @@
           <a:p>
             <a:r>
               <a:rPr lang="en-US"/>
-              <a:t>Copyright © 2020 SPIKE Prime Lessons (primelessons.org) CC-BY-NC-SA.  (Last edit: 1/9/2020)</a:t>
+              <a:t>Copyright © 2020 SPIKE Prime Lessons (primelessons.org) CC-BY-NC-SA.  (Last edit: 5/30/2020)</a:t>
             </a:r>
           </a:p>
         </p:txBody>
@@ -19690,7 +19692,7 @@
           <a:p>
             <a:r>
               <a:rPr lang="en-US"/>
-              <a:t>Copyright © 2020 SPIKE Prime Lessons (primelessons.org) CC-BY-NC-SA.  (Last edit: 1/9/2020)</a:t>
+              <a:t>Copyright © 2020 SPIKE Prime Lessons (primelessons.org) CC-BY-NC-SA.  (Last edit: 5/30/2020)</a:t>
             </a:r>
           </a:p>
         </p:txBody>
@@ -20541,7 +20543,7 @@
           <a:p>
             <a:r>
               <a:rPr lang="en-US"/>
-              <a:t>Copyright © 2020 SPIKE Prime Lessons (primelessons.org) CC-BY-NC-SA.  (Last edit: 1/9/2020)</a:t>
+              <a:t>Copyright © 2020 SPIKE Prime Lessons (primelessons.org) CC-BY-NC-SA.  (Last edit: 5/30/2020)</a:t>
             </a:r>
           </a:p>
         </p:txBody>
@@ -21395,7 +21397,7 @@
           <a:p>
             <a:r>
               <a:rPr lang="en-US"/>
-              <a:t>Copyright © 2020 SPIKE Prime Lessons (primelessons.org) CC-BY-NC-SA.  (Last edit: 1/9/2020)</a:t>
+              <a:t>Copyright © 2020 SPIKE Prime Lessons (primelessons.org) CC-BY-NC-SA.  (Last edit: 5/30/2020)</a:t>
             </a:r>
           </a:p>
         </p:txBody>
